--- a/T-SQL Basics coding for performance/T-SQL Basics coding for performance - SQLSaturday 1019.pptx
+++ b/T-SQL Basics coding for performance/T-SQL Basics coding for performance - SQLSaturday 1019.pptx
@@ -217,7 +217,7 @@
           <a:p>
             <a:fld id="{07F54432-8FF7-4552-86A5-EE72DD268C8C}" type="datetimeFigureOut">
               <a:rPr lang="es-GT" smtClean="0"/>
-              <a:t>25/11/2020</a:t>
+              <a:t>27/11/2020</a:t>
             </a:fld>
             <a:endParaRPr lang="es-GT"/>
           </a:p>
@@ -700,7 +700,7 @@
           <a:p>
             <a:fld id="{E9BD5CFC-D12C-4677-BB13-8C4FC86E912B}" type="datetimeFigureOut">
               <a:rPr lang="en-US" smtClean="0"/>
-              <a:t>11/25/2020</a:t>
+              <a:t>11/27/2020</a:t>
             </a:fld>
             <a:endParaRPr lang="en-US"/>
           </a:p>
@@ -870,7 +870,7 @@
           <a:p>
             <a:fld id="{E9BD5CFC-D12C-4677-BB13-8C4FC86E912B}" type="datetimeFigureOut">
               <a:rPr lang="en-US" smtClean="0"/>
-              <a:t>11/25/2020</a:t>
+              <a:t>11/27/2020</a:t>
             </a:fld>
             <a:endParaRPr lang="en-US"/>
           </a:p>
@@ -1050,7 +1050,7 @@
           <a:p>
             <a:fld id="{E9BD5CFC-D12C-4677-BB13-8C4FC86E912B}" type="datetimeFigureOut">
               <a:rPr lang="en-US" smtClean="0"/>
-              <a:t>11/25/2020</a:t>
+              <a:t>11/27/2020</a:t>
             </a:fld>
             <a:endParaRPr lang="en-US"/>
           </a:p>
@@ -2692,7 +2692,7 @@
           <a:p>
             <a:fld id="{E9BD5CFC-D12C-4677-BB13-8C4FC86E912B}" type="datetimeFigureOut">
               <a:rPr lang="en-US" smtClean="0"/>
-              <a:t>11/25/2020</a:t>
+              <a:t>11/27/2020</a:t>
             </a:fld>
             <a:endParaRPr lang="en-US"/>
           </a:p>
@@ -2938,7 +2938,7 @@
           <a:p>
             <a:fld id="{E9BD5CFC-D12C-4677-BB13-8C4FC86E912B}" type="datetimeFigureOut">
               <a:rPr lang="en-US" smtClean="0"/>
-              <a:t>11/25/2020</a:t>
+              <a:t>11/27/2020</a:t>
             </a:fld>
             <a:endParaRPr lang="en-US"/>
           </a:p>
@@ -3170,7 +3170,7 @@
           <a:p>
             <a:fld id="{E9BD5CFC-D12C-4677-BB13-8C4FC86E912B}" type="datetimeFigureOut">
               <a:rPr lang="en-US" smtClean="0"/>
-              <a:t>11/25/2020</a:t>
+              <a:t>11/27/2020</a:t>
             </a:fld>
             <a:endParaRPr lang="en-US"/>
           </a:p>
@@ -3537,7 +3537,7 @@
           <a:p>
             <a:fld id="{E9BD5CFC-D12C-4677-BB13-8C4FC86E912B}" type="datetimeFigureOut">
               <a:rPr lang="en-US" smtClean="0"/>
-              <a:t>11/25/2020</a:t>
+              <a:t>11/27/2020</a:t>
             </a:fld>
             <a:endParaRPr lang="en-US"/>
           </a:p>
@@ -3655,7 +3655,7 @@
           <a:p>
             <a:fld id="{E9BD5CFC-D12C-4677-BB13-8C4FC86E912B}" type="datetimeFigureOut">
               <a:rPr lang="en-US" smtClean="0"/>
-              <a:t>11/25/2020</a:t>
+              <a:t>11/27/2020</a:t>
             </a:fld>
             <a:endParaRPr lang="en-US"/>
           </a:p>
@@ -3750,7 +3750,7 @@
           <a:p>
             <a:fld id="{E9BD5CFC-D12C-4677-BB13-8C4FC86E912B}" type="datetimeFigureOut">
               <a:rPr lang="en-US" smtClean="0"/>
-              <a:t>11/25/2020</a:t>
+              <a:t>11/27/2020</a:t>
             </a:fld>
             <a:endParaRPr lang="en-US"/>
           </a:p>
@@ -4027,7 +4027,7 @@
           <a:p>
             <a:fld id="{E9BD5CFC-D12C-4677-BB13-8C4FC86E912B}" type="datetimeFigureOut">
               <a:rPr lang="en-US" smtClean="0"/>
-              <a:t>11/25/2020</a:t>
+              <a:t>11/27/2020</a:t>
             </a:fld>
             <a:endParaRPr lang="en-US"/>
           </a:p>
@@ -4284,7 +4284,7 @@
           <a:p>
             <a:fld id="{E9BD5CFC-D12C-4677-BB13-8C4FC86E912B}" type="datetimeFigureOut">
               <a:rPr lang="en-US" smtClean="0"/>
-              <a:t>11/25/2020</a:t>
+              <a:t>11/27/2020</a:t>
             </a:fld>
             <a:endParaRPr lang="en-US"/>
           </a:p>
@@ -4497,7 +4497,7 @@
           <a:p>
             <a:fld id="{E9BD5CFC-D12C-4677-BB13-8C4FC86E912B}" type="datetimeFigureOut">
               <a:rPr lang="en-US" smtClean="0"/>
-              <a:t>11/25/2020</a:t>
+              <a:t>11/27/2020</a:t>
             </a:fld>
             <a:endParaRPr lang="en-US"/>
           </a:p>
@@ -12077,7 +12077,7 @@
         </p:nvSpPr>
         <p:spPr>
           <a:xfrm>
-            <a:off x="2076208" y="1617661"/>
+            <a:off x="880262" y="1566262"/>
             <a:ext cx="6176299" cy="1533783"/>
           </a:xfrm>
           <a:prstGeom prst="rect">
@@ -12212,7 +12212,7 @@
         </p:nvSpPr>
         <p:spPr>
           <a:xfrm>
-            <a:off x="3803407" y="3638038"/>
+            <a:off x="2607461" y="3586639"/>
             <a:ext cx="2721903" cy="369332"/>
           </a:xfrm>
           <a:prstGeom prst="rect">
@@ -12292,7 +12292,7 @@
         </p:nvSpPr>
         <p:spPr>
           <a:xfrm>
-            <a:off x="2181009" y="3010179"/>
+            <a:off x="985063" y="2958780"/>
             <a:ext cx="5966698" cy="646331"/>
           </a:xfrm>
           <a:prstGeom prst="rect">
@@ -12393,7 +12393,7 @@
         </p:nvSpPr>
         <p:spPr>
           <a:xfrm>
-            <a:off x="2923192" y="4855509"/>
+            <a:off x="1727246" y="4804110"/>
             <a:ext cx="1565142" cy="338554"/>
           </a:xfrm>
           <a:prstGeom prst="rect">
@@ -12458,7 +12458,7 @@
         </p:nvSpPr>
         <p:spPr>
           <a:xfrm>
-            <a:off x="5075794" y="4855509"/>
+            <a:off x="3879848" y="4804110"/>
             <a:ext cx="1565142" cy="338554"/>
           </a:xfrm>
           <a:prstGeom prst="rect">
@@ -12523,7 +12523,7 @@
         </p:nvSpPr>
         <p:spPr>
           <a:xfrm>
-            <a:off x="7228398" y="4855509"/>
+            <a:off x="6032452" y="4804110"/>
             <a:ext cx="919309" cy="338554"/>
           </a:xfrm>
           <a:prstGeom prst="rect">
@@ -12602,7 +12602,7 @@
         </p:blipFill>
         <p:spPr>
           <a:xfrm>
-            <a:off x="6660346" y="4750466"/>
+            <a:off x="5464400" y="4699067"/>
             <a:ext cx="548640" cy="548640"/>
           </a:xfrm>
           <a:prstGeom prst="rect">
@@ -12638,7 +12638,7 @@
         </p:blipFill>
         <p:spPr>
           <a:xfrm>
-            <a:off x="2355142" y="4750466"/>
+            <a:off x="1159196" y="4699067"/>
             <a:ext cx="548640" cy="548640"/>
           </a:xfrm>
           <a:prstGeom prst="rect">
@@ -12674,7 +12674,7 @@
         </p:blipFill>
         <p:spPr>
           <a:xfrm>
-            <a:off x="4507744" y="4750466"/>
+            <a:off x="3311798" y="4699067"/>
             <a:ext cx="548640" cy="548640"/>
           </a:xfrm>
           <a:prstGeom prst="rect">
@@ -12901,10 +12901,10 @@
       </p:pic>
       <p:pic>
         <p:nvPicPr>
-          <p:cNvPr id="6" name="Picture 5">
+          <p:cNvPr id="2" name="Picture 1">
             <a:extLst>
               <a:ext uri="{FF2B5EF4-FFF2-40B4-BE49-F238E27FC236}">
-                <a16:creationId xmlns:a16="http://schemas.microsoft.com/office/drawing/2014/main" id="{A254FD72-3AC1-4AF2-8C9C-BCFE9E348A21}"/>
+                <a16:creationId xmlns:a16="http://schemas.microsoft.com/office/drawing/2014/main" id="{E7DCCB17-8AFB-4EA0-B4B3-0E84BD5EC916}"/>
               </a:ext>
             </a:extLst>
           </p:cNvPr>
@@ -12921,8 +12921,8 @@
         </p:blipFill>
         <p:spPr>
           <a:xfrm>
-            <a:off x="8659057" y="1763245"/>
-            <a:ext cx="3331509" cy="3331509"/>
+            <a:off x="70663" y="119780"/>
+            <a:ext cx="2592280" cy="597763"/>
           </a:xfrm>
           <a:prstGeom prst="rect">
             <a:avLst/>
@@ -12931,10 +12931,10 @@
       </p:pic>
       <p:pic>
         <p:nvPicPr>
-          <p:cNvPr id="2" name="Picture 1">
+          <p:cNvPr id="5" name="Picture 4" descr="Qr code&#10;&#10;Description automatically generated">
             <a:extLst>
               <a:ext uri="{FF2B5EF4-FFF2-40B4-BE49-F238E27FC236}">
-                <a16:creationId xmlns:a16="http://schemas.microsoft.com/office/drawing/2014/main" id="{E7DCCB17-8AFB-4EA0-B4B3-0E84BD5EC916}"/>
+                <a16:creationId xmlns:a16="http://schemas.microsoft.com/office/drawing/2014/main" id="{AF4B1BEE-8D35-48E7-BC18-81D57F946993}"/>
               </a:ext>
             </a:extLst>
           </p:cNvPr>
@@ -12944,21 +12944,63 @@
           <p:nvPr/>
         </p:nvPicPr>
         <p:blipFill>
-          <a:blip r:embed="rId11"/>
+          <a:blip r:embed="rId11">
+            <a:extLst>
+              <a:ext uri="{28A0092B-C50C-407E-A947-70E740481C1C}">
+                <a14:useLocalDpi xmlns:a14="http://schemas.microsoft.com/office/drawing/2010/main" val="0"/>
+              </a:ext>
+            </a:extLst>
+          </a:blip>
           <a:stretch>
             <a:fillRect/>
           </a:stretch>
         </p:blipFill>
         <p:spPr>
           <a:xfrm>
-            <a:off x="70663" y="119780"/>
-            <a:ext cx="2592280" cy="597763"/>
+            <a:off x="7781276" y="1264639"/>
+            <a:ext cx="4183767" cy="4183767"/>
           </a:xfrm>
           <a:prstGeom prst="rect">
             <a:avLst/>
           </a:prstGeom>
         </p:spPr>
       </p:pic>
+      <p:sp>
+        <p:nvSpPr>
+          <p:cNvPr id="7" name="TextBox 6">
+            <a:extLst>
+              <a:ext uri="{FF2B5EF4-FFF2-40B4-BE49-F238E27FC236}">
+                <a16:creationId xmlns:a16="http://schemas.microsoft.com/office/drawing/2014/main" id="{547E1C2F-2144-42C2-B678-25868459675E}"/>
+              </a:ext>
+            </a:extLst>
+          </p:cNvPr>
+          <p:cNvSpPr txBox="1"/>
+          <p:nvPr/>
+        </p:nvSpPr>
+        <p:spPr>
+          <a:xfrm>
+            <a:off x="7705815" y="726681"/>
+            <a:ext cx="4334687" cy="461665"/>
+          </a:xfrm>
+          <a:prstGeom prst="rect">
+            <a:avLst/>
+          </a:prstGeom>
+          <a:noFill/>
+        </p:spPr>
+        <p:txBody>
+          <a:bodyPr wrap="square" rtlCol="0" anchor="ctr">
+            <a:spAutoFit/>
+          </a:bodyPr>
+          <a:lstStyle/>
+          <a:p>
+            <a:pPr algn="ctr"/>
+            <a:r>
+              <a:rPr lang="en-US" sz="2400" b="1" dirty="0"/>
+              <a:t>Please evaluate this session!</a:t>
+            </a:r>
+          </a:p>
+        </p:txBody>
+      </p:sp>
     </p:spTree>
     <p:extLst>
       <p:ext uri="{BB962C8B-B14F-4D97-AF65-F5344CB8AC3E}">
